--- a/mocha from zero to hero v2.pptx
+++ b/mocha from zero to hero v2.pptx
@@ -243,7 +243,7 @@
           <a:bodyPr lIns="0" rIns="0" tIns="0" bIns="0" anchor="b"/>
           <a:p>
             <a:pPr algn="r"/>
-            <a:fld id="{E395E6B4-CF7E-42E0-9894-2630583B5BB0}" type="slidenum">
+            <a:fld id="{33A177D8-F096-41B9-960D-4937FFEFE0F0}" type="slidenum">
               <a:rPr b="0" lang="en-US" sz="1400" spc="-1" strike="noStrike">
                 <a:latin typeface="Times New Roman"/>
               </a:rPr>
@@ -291,7 +291,7 @@
         <p:spPr>
           <a:xfrm>
             <a:off x="380880" y="685800"/>
-            <a:ext cx="6093000" cy="3426120"/>
+            <a:ext cx="6092280" cy="3425400"/>
           </a:xfrm>
           <a:prstGeom prst="rect">
             <a:avLst/>
@@ -311,7 +311,7 @@
         <p:spPr>
           <a:xfrm>
             <a:off x="685800" y="4343400"/>
-            <a:ext cx="5483520" cy="4111920"/>
+            <a:ext cx="5482800" cy="4111200"/>
           </a:xfrm>
           <a:prstGeom prst="rect">
             <a:avLst/>
@@ -320,7 +320,7 @@
         <p:txBody>
           <a:bodyPr lIns="0" rIns="0" tIns="0" bIns="0"/>
           <a:p>
-            <a:pPr marL="216000" indent="-213840" algn="r" rtl="1">
+            <a:pPr marL="216000" indent="-213120" algn="r" rtl="1">
               <a:lnSpc>
                 <a:spcPct val="100000"/>
               </a:lnSpc>
@@ -360,7 +360,7 @@
             </a:endParaRPr>
           </a:p>
           <a:p>
-            <a:pPr marL="216000" indent="-213840" algn="r" rtl="1">
+            <a:pPr marL="216000" indent="-213120" algn="r" rtl="1">
               <a:lnSpc>
                 <a:spcPct val="100000"/>
               </a:lnSpc>
@@ -376,7 +376,7 @@
             </a:endParaRPr>
           </a:p>
           <a:p>
-            <a:pPr marL="216000" indent="-213840" algn="r" rtl="1">
+            <a:pPr marL="216000" indent="-213120" algn="r" rtl="1">
               <a:lnSpc>
                 <a:spcPct val="100000"/>
               </a:lnSpc>
@@ -392,7 +392,7 @@
             </a:endParaRPr>
           </a:p>
           <a:p>
-            <a:pPr marL="216000" indent="-213840" algn="r" rtl="1">
+            <a:pPr marL="216000" indent="-213120" algn="r" rtl="1">
               <a:lnSpc>
                 <a:spcPct val="100000"/>
               </a:lnSpc>
@@ -414,7 +414,7 @@
             </a:endParaRPr>
           </a:p>
           <a:p>
-            <a:pPr marL="216000" indent="-213840" algn="r" rtl="1">
+            <a:pPr marL="216000" indent="-213120" algn="r" rtl="1">
               <a:lnSpc>
                 <a:spcPct val="100000"/>
               </a:lnSpc>
@@ -430,7 +430,7 @@
             </a:endParaRPr>
           </a:p>
           <a:p>
-            <a:pPr marL="216000" indent="-213840" algn="r" rtl="1">
+            <a:pPr marL="216000" indent="-213120" algn="r" rtl="1">
               <a:lnSpc>
                 <a:spcPct val="100000"/>
               </a:lnSpc>
@@ -458,7 +458,7 @@
             </a:endParaRPr>
           </a:p>
           <a:p>
-            <a:pPr marL="216000" indent="-213840" algn="r" rtl="1">
+            <a:pPr marL="216000" indent="-213120" algn="r" rtl="1">
               <a:lnSpc>
                 <a:spcPct val="100000"/>
               </a:lnSpc>
@@ -474,7 +474,7 @@
             </a:endParaRPr>
           </a:p>
           <a:p>
-            <a:pPr marL="216000" indent="-213840" algn="r" rtl="1">
+            <a:pPr marL="216000" indent="-213120" algn="r" rtl="1">
               <a:lnSpc>
                 <a:spcPct val="100000"/>
               </a:lnSpc>
@@ -514,7 +514,7 @@
             </a:endParaRPr>
           </a:p>
           <a:p>
-            <a:pPr marL="216000" indent="-213840" algn="r" rtl="1">
+            <a:pPr marL="216000" indent="-213120" algn="r" rtl="1">
               <a:lnSpc>
                 <a:spcPct val="100000"/>
               </a:lnSpc>
@@ -530,7 +530,7 @@
             </a:endParaRPr>
           </a:p>
           <a:p>
-            <a:pPr marL="216000" indent="-213840" algn="r" rtl="1">
+            <a:pPr marL="216000" indent="-213120" algn="r" rtl="1">
               <a:lnSpc>
                 <a:spcPct val="100000"/>
               </a:lnSpc>
@@ -546,7 +546,7 @@
             </a:endParaRPr>
           </a:p>
           <a:p>
-            <a:pPr marL="216000" indent="-213840" algn="r" rtl="1">
+            <a:pPr marL="216000" indent="-213120" algn="r" rtl="1">
               <a:lnSpc>
                 <a:spcPct val="100000"/>
               </a:lnSpc>
@@ -580,7 +580,7 @@
             </a:endParaRPr>
           </a:p>
           <a:p>
-            <a:pPr marL="216000" indent="-213840" algn="r" rtl="1">
+            <a:pPr marL="216000" indent="-213120" algn="r" rtl="1">
               <a:lnSpc>
                 <a:spcPct val="100000"/>
               </a:lnSpc>
@@ -596,7 +596,7 @@
             </a:endParaRPr>
           </a:p>
           <a:p>
-            <a:pPr marL="216000" indent="-213840" algn="r" rtl="1">
+            <a:pPr marL="216000" indent="-213120" algn="r" rtl="1">
               <a:lnSpc>
                 <a:spcPct val="100000"/>
               </a:lnSpc>
@@ -612,7 +612,7 @@
             </a:endParaRPr>
           </a:p>
           <a:p>
-            <a:pPr marL="216000" indent="-213840" algn="r" rtl="1">
+            <a:pPr marL="216000" indent="-213120" algn="r" rtl="1">
               <a:lnSpc>
                 <a:spcPct val="100000"/>
               </a:lnSpc>
@@ -628,7 +628,7 @@
             </a:endParaRPr>
           </a:p>
           <a:p>
-            <a:pPr marL="216000" indent="-213840" algn="r" rtl="1">
+            <a:pPr marL="216000" indent="-213120" algn="r" rtl="1">
               <a:lnSpc>
                 <a:spcPct val="100000"/>
               </a:lnSpc>
@@ -638,7 +638,7 @@
             </a:endParaRPr>
           </a:p>
           <a:p>
-            <a:pPr marL="216000" indent="-213840" algn="r" rtl="1">
+            <a:pPr marL="216000" indent="-213120" algn="r" rtl="1">
               <a:lnSpc>
                 <a:spcPct val="100000"/>
               </a:lnSpc>
@@ -654,7 +654,7 @@
             </a:endParaRPr>
           </a:p>
           <a:p>
-            <a:pPr marL="216000" indent="-213840" algn="r" rtl="1">
+            <a:pPr marL="216000" indent="-213120" algn="r" rtl="1">
               <a:lnSpc>
                 <a:spcPct val="100000"/>
               </a:lnSpc>
@@ -682,7 +682,7 @@
             </a:endParaRPr>
           </a:p>
           <a:p>
-            <a:pPr marL="216000" indent="-213840" algn="r" rtl="1">
+            <a:pPr marL="216000" indent="-213120" algn="r" rtl="1">
               <a:lnSpc>
                 <a:spcPct val="100000"/>
               </a:lnSpc>
@@ -710,7 +710,7 @@
             </a:endParaRPr>
           </a:p>
           <a:p>
-            <a:pPr marL="216000" indent="-213480" algn="r" rtl="1">
+            <a:pPr marL="216000" indent="-212760" algn="r" rtl="1">
               <a:lnSpc>
                 <a:spcPct val="100000"/>
               </a:lnSpc>
@@ -730,7 +730,7 @@
         <p:spPr>
           <a:xfrm>
             <a:off x="3884760" y="8685360"/>
-            <a:ext cx="2968920" cy="454320"/>
+            <a:ext cx="2968200" cy="453600"/>
           </a:xfrm>
           <a:prstGeom prst="rect">
             <a:avLst/>
@@ -782,7 +782,7 @@
         <p:spPr>
           <a:xfrm>
             <a:off x="533520" y="764280"/>
-            <a:ext cx="6704640" cy="3771360"/>
+            <a:ext cx="6703920" cy="3770640"/>
           </a:xfrm>
           <a:prstGeom prst="rect">
             <a:avLst/>
@@ -802,7 +802,7 @@
         <p:spPr>
           <a:xfrm>
             <a:off x="457560" y="4754880"/>
-            <a:ext cx="6217560" cy="2011680"/>
+            <a:ext cx="6216840" cy="2010960"/>
           </a:xfrm>
           <a:prstGeom prst="rect">
             <a:avLst/>
@@ -811,7 +811,11 @@
         <p:txBody>
           <a:bodyPr lIns="0" rIns="0" tIns="0" bIns="0"/>
           <a:p>
-            <a:pPr marL="216000" indent="-216000" algn="r"/>
+            <a:pPr marL="216000" indent="-215280" algn="r">
+              <a:lnSpc>
+                <a:spcPct val="100000"/>
+              </a:lnSpc>
+            </a:pPr>
             <a:r>
               <a:rPr b="0" lang="en-US" sz="1500" spc="-1" strike="noStrike">
                 <a:latin typeface="Arial"/>
@@ -823,7 +827,11 @@
             </a:endParaRPr>
           </a:p>
           <a:p>
-            <a:pPr marL="216000" indent="-216000" algn="r"/>
+            <a:pPr marL="216000" indent="-215280" algn="r">
+              <a:lnSpc>
+                <a:spcPct val="100000"/>
+              </a:lnSpc>
+            </a:pPr>
             <a:r>
               <a:rPr b="0" lang="en-US" sz="1500" spc="-1" strike="noStrike">
                 <a:latin typeface="Arial"/>
@@ -835,7 +843,11 @@
             </a:endParaRPr>
           </a:p>
           <a:p>
-            <a:pPr marL="216000" indent="-216000" algn="r"/>
+            <a:pPr marL="216000" indent="-215280" algn="r">
+              <a:lnSpc>
+                <a:spcPct val="100000"/>
+              </a:lnSpc>
+            </a:pPr>
             <a:r>
               <a:rPr b="0" lang="en-US" sz="1500" spc="-1" strike="noStrike">
                 <a:latin typeface="Arial"/>
@@ -847,7 +859,11 @@
             </a:endParaRPr>
           </a:p>
           <a:p>
-            <a:pPr marL="216000" indent="-216000" algn="r"/>
+            <a:pPr marL="216000" indent="-215280" algn="r">
+              <a:lnSpc>
+                <a:spcPct val="100000"/>
+              </a:lnSpc>
+            </a:pPr>
             <a:r>
               <a:rPr b="0" lang="en-US" sz="1500" spc="-1" strike="noStrike">
                 <a:latin typeface="Arial"/>
@@ -859,6 +875,11 @@
             </a:endParaRPr>
           </a:p>
           <a:p>
+            <a:pPr marL="216000" indent="-215280">
+              <a:lnSpc>
+                <a:spcPct val="100000"/>
+              </a:lnSpc>
+            </a:pPr>
             <a:endParaRPr b="0" lang="en-US" sz="1500" spc="-1" strike="noStrike">
               <a:latin typeface="Arial"/>
             </a:endParaRPr>
@@ -900,7 +921,7 @@
         <p:spPr>
           <a:xfrm>
             <a:off x="380880" y="685800"/>
-            <a:ext cx="6093000" cy="3426120"/>
+            <a:ext cx="6092280" cy="3425400"/>
           </a:xfrm>
           <a:prstGeom prst="rect">
             <a:avLst/>
@@ -920,7 +941,7 @@
         <p:spPr>
           <a:xfrm>
             <a:off x="685800" y="4343400"/>
-            <a:ext cx="5483520" cy="4111920"/>
+            <a:ext cx="5482800" cy="4111200"/>
           </a:xfrm>
           <a:prstGeom prst="rect">
             <a:avLst/>
@@ -929,7 +950,7 @@
         <p:txBody>
           <a:bodyPr lIns="0" rIns="0" tIns="0" bIns="0"/>
           <a:p>
-            <a:pPr marL="216000" indent="-214200" algn="r">
+            <a:pPr marL="216000" indent="-213480" algn="r">
               <a:lnSpc>
                 <a:spcPct val="100000"/>
               </a:lnSpc>
@@ -951,7 +972,7 @@
             </a:endParaRPr>
           </a:p>
           <a:p>
-            <a:pPr marL="216000" indent="-214200" algn="r">
+            <a:pPr marL="216000" indent="-213480" algn="r">
               <a:lnSpc>
                 <a:spcPct val="100000"/>
               </a:lnSpc>
@@ -967,7 +988,7 @@
             </a:endParaRPr>
           </a:p>
           <a:p>
-            <a:pPr marL="216000" indent="-214200" algn="r">
+            <a:pPr marL="216000" indent="-213480" algn="r">
               <a:lnSpc>
                 <a:spcPct val="100000"/>
               </a:lnSpc>
@@ -983,7 +1004,7 @@
             </a:endParaRPr>
           </a:p>
           <a:p>
-            <a:pPr marL="216000" indent="-214200" algn="r">
+            <a:pPr marL="216000" indent="-213480" algn="r">
               <a:lnSpc>
                 <a:spcPct val="100000"/>
               </a:lnSpc>
@@ -1005,7 +1026,7 @@
             </a:endParaRPr>
           </a:p>
           <a:p>
-            <a:pPr marL="216000" indent="-214200">
+            <a:pPr marL="216000" indent="-213480">
               <a:lnSpc>
                 <a:spcPct val="100000"/>
               </a:lnSpc>
@@ -1021,7 +1042,7 @@
             </a:endParaRPr>
           </a:p>
           <a:p>
-            <a:pPr marL="216000" indent="-216000">
+            <a:pPr marL="216000" indent="-215280">
               <a:lnSpc>
                 <a:spcPct val="100000"/>
               </a:lnSpc>
@@ -1042,7 +1063,7 @@
             </a:endParaRPr>
           </a:p>
           <a:p>
-            <a:pPr marL="216000" indent="-216000">
+            <a:pPr marL="216000" indent="-215280">
               <a:lnSpc>
                 <a:spcPct val="100000"/>
               </a:lnSpc>
@@ -1063,7 +1084,7 @@
             </a:endParaRPr>
           </a:p>
           <a:p>
-            <a:pPr marL="216000" indent="-216000">
+            <a:pPr marL="216000" indent="-215280">
               <a:lnSpc>
                 <a:spcPct val="100000"/>
               </a:lnSpc>
@@ -1084,7 +1105,7 @@
             </a:endParaRPr>
           </a:p>
           <a:p>
-            <a:pPr marL="216000" indent="-216000">
+            <a:pPr marL="216000" indent="-215280">
               <a:lnSpc>
                 <a:spcPct val="100000"/>
               </a:lnSpc>
@@ -1137,7 +1158,7 @@
             </a:endParaRPr>
           </a:p>
           <a:p>
-            <a:pPr marL="216000" indent="-213840">
+            <a:pPr marL="216000" indent="-213120">
               <a:lnSpc>
                 <a:spcPct val="100000"/>
               </a:lnSpc>
@@ -1163,7 +1184,7 @@
         <p:spPr>
           <a:xfrm>
             <a:off x="3884760" y="8685360"/>
-            <a:ext cx="2968920" cy="454320"/>
+            <a:ext cx="2968200" cy="453600"/>
           </a:xfrm>
           <a:prstGeom prst="rect">
             <a:avLst/>
@@ -1215,7 +1236,7 @@
         <p:spPr>
           <a:xfrm>
             <a:off x="0" y="695160"/>
-            <a:ext cx="6855840" cy="3426120"/>
+            <a:ext cx="6855120" cy="3425400"/>
           </a:xfrm>
           <a:prstGeom prst="rect">
             <a:avLst/>
@@ -1235,7 +1256,7 @@
         <p:spPr>
           <a:xfrm>
             <a:off x="685800" y="4343400"/>
-            <a:ext cx="5484240" cy="4112640"/>
+            <a:ext cx="5483520" cy="4111920"/>
           </a:xfrm>
           <a:prstGeom prst="rect">
             <a:avLst/>
@@ -1244,7 +1265,7 @@
         <p:txBody>
           <a:bodyPr lIns="0" rIns="0" tIns="0" bIns="0"/>
           <a:p>
-            <a:pPr marL="216000" indent="-214200" algn="r">
+            <a:pPr marL="216000" indent="-213480" algn="r">
               <a:lnSpc>
                 <a:spcPct val="100000"/>
               </a:lnSpc>
@@ -1266,7 +1287,7 @@
             </a:endParaRPr>
           </a:p>
           <a:p>
-            <a:pPr marL="216000" indent="-214200" algn="r">
+            <a:pPr marL="216000" indent="-213480" algn="r">
               <a:lnSpc>
                 <a:spcPct val="100000"/>
               </a:lnSpc>
@@ -1276,7 +1297,7 @@
             </a:endParaRPr>
           </a:p>
           <a:p>
-            <a:pPr marL="216000" indent="-214200" algn="r">
+            <a:pPr marL="216000" indent="-213480" algn="r">
               <a:lnSpc>
                 <a:spcPct val="100000"/>
               </a:lnSpc>
@@ -1292,7 +1313,7 @@
             </a:endParaRPr>
           </a:p>
           <a:p>
-            <a:pPr marL="216000" indent="-214200" algn="r">
+            <a:pPr marL="216000" indent="-213480" algn="r">
               <a:lnSpc>
                 <a:spcPct val="100000"/>
               </a:lnSpc>
@@ -1302,7 +1323,7 @@
             </a:endParaRPr>
           </a:p>
           <a:p>
-            <a:pPr marL="216000" indent="-214200" algn="r">
+            <a:pPr marL="216000" indent="-213480" algn="r">
               <a:lnSpc>
                 <a:spcPct val="100000"/>
               </a:lnSpc>
@@ -1324,7 +1345,7 @@
             </a:endParaRPr>
           </a:p>
           <a:p>
-            <a:pPr marL="216000" indent="-214200" algn="r">
+            <a:pPr marL="216000" indent="-213480" algn="r">
               <a:lnSpc>
                 <a:spcPct val="100000"/>
               </a:lnSpc>
@@ -1340,7 +1361,7 @@
             </a:endParaRPr>
           </a:p>
           <a:p>
-            <a:pPr marL="216000" indent="-214200" algn="r">
+            <a:pPr marL="216000" indent="-213480" algn="r">
               <a:lnSpc>
                 <a:spcPct val="100000"/>
               </a:lnSpc>
@@ -1350,7 +1371,7 @@
             </a:endParaRPr>
           </a:p>
           <a:p>
-            <a:pPr marL="216000" indent="-214200" algn="r">
+            <a:pPr marL="216000" indent="-213480" algn="r">
               <a:lnSpc>
                 <a:spcPct val="100000"/>
               </a:lnSpc>
@@ -1366,7 +1387,7 @@
             </a:endParaRPr>
           </a:p>
           <a:p>
-            <a:pPr marL="216000" indent="-214200" algn="r">
+            <a:pPr marL="216000" indent="-213480" algn="r">
               <a:lnSpc>
                 <a:spcPct val="100000"/>
               </a:lnSpc>
@@ -1382,7 +1403,7 @@
             </a:endParaRPr>
           </a:p>
           <a:p>
-            <a:pPr marL="216000" indent="-214200" algn="r">
+            <a:pPr marL="216000" indent="-213480" algn="r">
               <a:lnSpc>
                 <a:spcPct val="100000"/>
               </a:lnSpc>
@@ -1446,7 +1467,7 @@
         <p:spPr>
           <a:xfrm>
             <a:off x="0" y="695160"/>
-            <a:ext cx="6855840" cy="3426120"/>
+            <a:ext cx="6855120" cy="3425400"/>
           </a:xfrm>
           <a:prstGeom prst="rect">
             <a:avLst/>
@@ -1466,7 +1487,7 @@
         <p:spPr>
           <a:xfrm>
             <a:off x="685800" y="4343400"/>
-            <a:ext cx="5484240" cy="4112640"/>
+            <a:ext cx="5483520" cy="4111920"/>
           </a:xfrm>
           <a:prstGeom prst="rect">
             <a:avLst/>
@@ -1475,7 +1496,7 @@
         <p:txBody>
           <a:bodyPr lIns="0" rIns="0" tIns="0" bIns="0"/>
           <a:p>
-            <a:pPr marL="216000" indent="-214560">
+            <a:pPr marL="216000" indent="-213840">
               <a:lnSpc>
                 <a:spcPct val="100000"/>
               </a:lnSpc>
@@ -1491,7 +1512,7 @@
             </a:endParaRPr>
           </a:p>
           <a:p>
-            <a:pPr marL="216000" indent="-214560">
+            <a:pPr marL="216000" indent="-213840">
               <a:lnSpc>
                 <a:spcPct val="100000"/>
               </a:lnSpc>
@@ -1537,7 +1558,7 @@
         <p:spPr>
           <a:xfrm>
             <a:off x="380880" y="685800"/>
-            <a:ext cx="6093000" cy="3426120"/>
+            <a:ext cx="6092280" cy="3425400"/>
           </a:xfrm>
           <a:prstGeom prst="rect">
             <a:avLst/>
@@ -1557,7 +1578,7 @@
         <p:spPr>
           <a:xfrm>
             <a:off x="685800" y="4343400"/>
-            <a:ext cx="5483520" cy="4111920"/>
+            <a:ext cx="5482800" cy="4111200"/>
           </a:xfrm>
           <a:prstGeom prst="rect">
             <a:avLst/>
@@ -1566,7 +1587,7 @@
         <p:txBody>
           <a:bodyPr lIns="0" rIns="0" tIns="0" bIns="0"/>
           <a:p>
-            <a:pPr marL="216000" indent="-213840" algn="r">
+            <a:pPr marL="216000" indent="-213120" algn="r">
               <a:lnSpc>
                 <a:spcPct val="100000"/>
               </a:lnSpc>
@@ -1586,7 +1607,7 @@
             </a:endParaRPr>
           </a:p>
           <a:p>
-            <a:pPr marL="216000" indent="-213840" algn="r">
+            <a:pPr marL="216000" indent="-213120" algn="r">
               <a:lnSpc>
                 <a:spcPct val="100000"/>
               </a:lnSpc>
@@ -1616,7 +1637,7 @@
             </a:endParaRPr>
           </a:p>
           <a:p>
-            <a:pPr marL="216000" indent="-213840" algn="r">
+            <a:pPr marL="216000" indent="-213120" algn="r">
               <a:lnSpc>
                 <a:spcPct val="100000"/>
               </a:lnSpc>
@@ -1636,13 +1657,16 @@
             </a:endParaRPr>
           </a:p>
           <a:p>
-            <a:pPr marL="216000" indent="-213840" algn="r">
+            <a:pPr marL="216000" indent="-213120" algn="r">
               <a:lnSpc>
                 <a:spcPct val="100000"/>
               </a:lnSpc>
             </a:pPr>
             <a:r>
               <a:rPr b="0" lang="en-US" sz="1400" spc="-1" strike="noStrike">
+                <a:solidFill>
+                  <a:srgbClr val="000000"/>
+                </a:solidFill>
                 <a:latin typeface="Arial"/>
                 <a:ea typeface="Noto Sans CJK SC"/>
               </a:rPr>
@@ -1650,6 +1674,9 @@
             </a:r>
             <a:r>
               <a:rPr b="0" lang="en-US" sz="1400" spc="-1" strike="noStrike">
+                <a:solidFill>
+                  <a:srgbClr val="000000"/>
+                </a:solidFill>
                 <a:latin typeface="Arial"/>
                 <a:ea typeface="Noto Sans CJK SC"/>
               </a:rPr>
@@ -1680,7 +1707,7 @@
             </a:endParaRPr>
           </a:p>
           <a:p>
-            <a:pPr marL="216000" indent="-213840" algn="r">
+            <a:pPr marL="216000" indent="-213120" algn="r">
               <a:lnSpc>
                 <a:spcPct val="100000"/>
               </a:lnSpc>
@@ -1710,7 +1737,7 @@
             </a:endParaRPr>
           </a:p>
           <a:p>
-            <a:pPr marL="216000" indent="-213840" algn="r">
+            <a:pPr marL="216000" indent="-213120" algn="r">
               <a:lnSpc>
                 <a:spcPct val="100000"/>
               </a:lnSpc>
@@ -1730,7 +1757,7 @@
             </a:endParaRPr>
           </a:p>
           <a:p>
-            <a:pPr marL="216000" indent="-213840" algn="r">
+            <a:pPr marL="216000" indent="-213120" algn="r">
               <a:lnSpc>
                 <a:spcPct val="100000"/>
               </a:lnSpc>
@@ -1740,7 +1767,7 @@
             </a:endParaRPr>
           </a:p>
           <a:p>
-            <a:pPr marL="216000" indent="-213840" algn="r">
+            <a:pPr marL="216000" indent="-213120" algn="r">
               <a:lnSpc>
                 <a:spcPct val="100000"/>
               </a:lnSpc>
@@ -1750,7 +1777,7 @@
             </a:endParaRPr>
           </a:p>
           <a:p>
-            <a:pPr marL="216000" indent="-213840" algn="r">
+            <a:pPr marL="216000" indent="-213120" algn="r">
               <a:lnSpc>
                 <a:spcPct val="100000"/>
               </a:lnSpc>
@@ -1760,7 +1787,7 @@
             </a:endParaRPr>
           </a:p>
           <a:p>
-            <a:pPr marL="216000" indent="-213840">
+            <a:pPr marL="216000" indent="-213120">
               <a:lnSpc>
                 <a:spcPct val="100000"/>
               </a:lnSpc>
@@ -1780,7 +1807,7 @@
             </a:endParaRPr>
           </a:p>
           <a:p>
-            <a:pPr marL="216000" indent="-213840">
+            <a:pPr marL="216000" indent="-213120">
               <a:lnSpc>
                 <a:spcPct val="100000"/>
               </a:lnSpc>
@@ -1790,7 +1817,7 @@
             </a:endParaRPr>
           </a:p>
           <a:p>
-            <a:pPr marL="216000" indent="-213840" algn="r">
+            <a:pPr marL="216000" indent="-213120" algn="r">
               <a:lnSpc>
                 <a:spcPct val="100000"/>
               </a:lnSpc>
@@ -1800,7 +1827,7 @@
             </a:endParaRPr>
           </a:p>
           <a:p>
-            <a:pPr marL="216000" indent="-213840" algn="r">
+            <a:pPr marL="216000" indent="-213120" algn="r">
               <a:lnSpc>
                 <a:spcPct val="100000"/>
               </a:lnSpc>
@@ -1820,7 +1847,7 @@
             </a:endParaRPr>
           </a:p>
           <a:p>
-            <a:pPr marL="216000" indent="-213840" algn="r">
+            <a:pPr marL="216000" indent="-213120" algn="r">
               <a:lnSpc>
                 <a:spcPct val="100000"/>
               </a:lnSpc>
@@ -1840,7 +1867,7 @@
             </a:endParaRPr>
           </a:p>
           <a:p>
-            <a:pPr marL="216000" indent="-213840" algn="r">
+            <a:pPr marL="216000" indent="-213120" algn="r">
               <a:lnSpc>
                 <a:spcPct val="100000"/>
               </a:lnSpc>
@@ -1860,7 +1887,7 @@
             </a:endParaRPr>
           </a:p>
           <a:p>
-            <a:pPr marL="216000" indent="-213840" algn="r">
+            <a:pPr marL="216000" indent="-213120" algn="r">
               <a:lnSpc>
                 <a:spcPct val="100000"/>
               </a:lnSpc>
@@ -1870,7 +1897,7 @@
             </a:endParaRPr>
           </a:p>
           <a:p>
-            <a:pPr marL="216000" indent="-213840" algn="r">
+            <a:pPr marL="216000" indent="-213120" algn="r">
               <a:lnSpc>
                 <a:spcPct val="100000"/>
               </a:lnSpc>
@@ -1880,7 +1907,7 @@
             </a:endParaRPr>
           </a:p>
           <a:p>
-            <a:pPr marL="216000" indent="-213840" algn="r">
+            <a:pPr marL="216000" indent="-213120" algn="r">
               <a:lnSpc>
                 <a:spcPct val="100000"/>
               </a:lnSpc>
@@ -1900,7 +1927,7 @@
             </a:endParaRPr>
           </a:p>
           <a:p>
-            <a:pPr marL="216000" indent="-213840" algn="r">
+            <a:pPr marL="216000" indent="-213120" algn="r">
               <a:lnSpc>
                 <a:spcPct val="100000"/>
               </a:lnSpc>
@@ -1910,7 +1937,7 @@
             </a:endParaRPr>
           </a:p>
           <a:p>
-            <a:pPr marL="216000" indent="-213840" algn="r">
+            <a:pPr marL="216000" indent="-213120" algn="r">
               <a:lnSpc>
                 <a:spcPct val="100000"/>
               </a:lnSpc>
@@ -1930,27 +1957,47 @@
             </a:endParaRPr>
           </a:p>
           <a:p>
-            <a:pPr marL="216000" indent="-213840" algn="r">
+            <a:pPr marL="216000" indent="-213120" algn="r">
               <a:lnSpc>
                 <a:spcPct val="100000"/>
               </a:lnSpc>
             </a:pPr>
-            <a:endParaRPr b="0" lang="en-US" sz="1200" spc="-1" strike="noStrike">
-              <a:latin typeface="Arial"/>
-            </a:endParaRPr>
-          </a:p>
-          <a:p>
-            <a:pPr marL="216000" indent="-213840" algn="r">
+            <a:r>
+              <a:rPr b="0" lang="en-US" sz="1000" spc="-1" strike="noStrike">
+                <a:solidFill>
+                  <a:srgbClr val="000000"/>
+                </a:solidFill>
+                <a:latin typeface="Arial"/>
+                <a:ea typeface="DejaVu Sans"/>
+              </a:rPr>
+              <a:t>debugging issue : netstat -tulpn | grep 9229</a:t>
+            </a:r>
+            <a:endParaRPr b="0" lang="en-US" sz="1000" spc="-1" strike="noStrike">
+              <a:latin typeface="Arial"/>
+            </a:endParaRPr>
+          </a:p>
+          <a:p>
+            <a:pPr marL="216000" indent="-213120" algn="r">
               <a:lnSpc>
                 <a:spcPct val="100000"/>
               </a:lnSpc>
             </a:pPr>
-            <a:endParaRPr b="0" lang="en-US" sz="1200" spc="-1" strike="noStrike">
-              <a:latin typeface="Arial"/>
-            </a:endParaRPr>
-          </a:p>
-          <a:p>
-            <a:pPr marL="216000" indent="-213480">
+            <a:endParaRPr b="0" lang="en-US" sz="1000" spc="-1" strike="noStrike">
+              <a:latin typeface="Arial"/>
+            </a:endParaRPr>
+          </a:p>
+          <a:p>
+            <a:pPr marL="216000" indent="-213120" algn="r">
+              <a:lnSpc>
+                <a:spcPct val="100000"/>
+              </a:lnSpc>
+            </a:pPr>
+            <a:endParaRPr b="0" lang="en-US" sz="1000" spc="-1" strike="noStrike">
+              <a:latin typeface="Arial"/>
+            </a:endParaRPr>
+          </a:p>
+          <a:p>
+            <a:pPr marL="216000" indent="-212760">
               <a:lnSpc>
                 <a:spcPct val="100000"/>
               </a:lnSpc>
@@ -1980,7 +2027,7 @@
         <p:spPr>
           <a:xfrm>
             <a:off x="3884760" y="8685360"/>
-            <a:ext cx="2968920" cy="454320"/>
+            <a:ext cx="2968200" cy="453600"/>
           </a:xfrm>
           <a:prstGeom prst="rect">
             <a:avLst/>
@@ -2032,7 +2079,7 @@
         <p:spPr>
           <a:xfrm>
             <a:off x="0" y="695160"/>
-            <a:ext cx="6855840" cy="3426120"/>
+            <a:ext cx="6855120" cy="3425400"/>
           </a:xfrm>
           <a:prstGeom prst="rect">
             <a:avLst/>
@@ -2052,7 +2099,7 @@
         <p:spPr>
           <a:xfrm>
             <a:off x="685800" y="4343400"/>
-            <a:ext cx="5484240" cy="4112640"/>
+            <a:ext cx="5483520" cy="4111920"/>
           </a:xfrm>
           <a:prstGeom prst="rect">
             <a:avLst/>
@@ -2061,7 +2108,7 @@
         <p:txBody>
           <a:bodyPr lIns="0" rIns="0" tIns="0" bIns="0"/>
           <a:p>
-            <a:pPr marL="216000" indent="-214200" algn="r">
+            <a:pPr marL="216000" indent="-213480" algn="r">
               <a:lnSpc>
                 <a:spcPct val="100000"/>
               </a:lnSpc>
@@ -2077,7 +2124,7 @@
             </a:endParaRPr>
           </a:p>
           <a:p>
-            <a:pPr marL="216000" indent="-214200" algn="r">
+            <a:pPr marL="216000" indent="-213480" algn="r">
               <a:lnSpc>
                 <a:spcPct val="100000"/>
               </a:lnSpc>
@@ -2093,7 +2140,7 @@
             </a:endParaRPr>
           </a:p>
           <a:p>
-            <a:pPr marL="216000" indent="-214200" algn="r">
+            <a:pPr marL="216000" indent="-213480" algn="r">
               <a:lnSpc>
                 <a:spcPct val="100000"/>
               </a:lnSpc>
@@ -2103,7 +2150,7 @@
             </a:endParaRPr>
           </a:p>
           <a:p>
-            <a:pPr marL="216000" indent="-214200" algn="r">
+            <a:pPr marL="216000" indent="-213480" algn="r">
               <a:lnSpc>
                 <a:spcPct val="100000"/>
               </a:lnSpc>
@@ -2119,7 +2166,7 @@
             </a:endParaRPr>
           </a:p>
           <a:p>
-            <a:pPr marL="216000" indent="-214200" algn="r">
+            <a:pPr marL="216000" indent="-213480" algn="r">
               <a:lnSpc>
                 <a:spcPct val="100000"/>
               </a:lnSpc>
@@ -2129,7 +2176,7 @@
             </a:endParaRPr>
           </a:p>
           <a:p>
-            <a:pPr marL="216000" indent="-214200" algn="r">
+            <a:pPr marL="216000" indent="-213480" algn="r">
               <a:lnSpc>
                 <a:spcPct val="100000"/>
               </a:lnSpc>
@@ -2145,7 +2192,7 @@
             </a:endParaRPr>
           </a:p>
           <a:p>
-            <a:pPr marL="216000" indent="-214200" algn="r">
+            <a:pPr marL="216000" indent="-213480" algn="r">
               <a:lnSpc>
                 <a:spcPct val="100000"/>
               </a:lnSpc>
@@ -2161,7 +2208,7 @@
             </a:endParaRPr>
           </a:p>
           <a:p>
-            <a:pPr marL="216000" indent="-214200" algn="r">
+            <a:pPr marL="216000" indent="-213480" algn="r">
               <a:lnSpc>
                 <a:spcPct val="100000"/>
               </a:lnSpc>
@@ -2171,7 +2218,7 @@
             </a:endParaRPr>
           </a:p>
           <a:p>
-            <a:pPr marL="216000" indent="-214200" algn="r">
+            <a:pPr marL="216000" indent="-213480" algn="r">
               <a:lnSpc>
                 <a:spcPct val="100000"/>
               </a:lnSpc>
@@ -2187,7 +2234,7 @@
             </a:endParaRPr>
           </a:p>
           <a:p>
-            <a:pPr marL="216000" indent="-214200" algn="r">
+            <a:pPr marL="216000" indent="-213480" algn="r">
               <a:lnSpc>
                 <a:spcPct val="100000"/>
               </a:lnSpc>
@@ -2203,7 +2250,7 @@
             </a:endParaRPr>
           </a:p>
           <a:p>
-            <a:pPr marL="216000" indent="-214200" algn="r">
+            <a:pPr marL="216000" indent="-213480" algn="r">
               <a:lnSpc>
                 <a:spcPct val="100000"/>
               </a:lnSpc>
@@ -2213,7 +2260,7 @@
             </a:endParaRPr>
           </a:p>
           <a:p>
-            <a:pPr marL="216000" indent="-214200" algn="r">
+            <a:pPr marL="216000" indent="-213480" algn="r">
               <a:lnSpc>
                 <a:spcPct val="100000"/>
               </a:lnSpc>
@@ -2229,7 +2276,7 @@
             </a:endParaRPr>
           </a:p>
           <a:p>
-            <a:pPr marL="216000" indent="-214200" algn="r">
+            <a:pPr marL="216000" indent="-213480" algn="r">
               <a:lnSpc>
                 <a:spcPct val="100000"/>
               </a:lnSpc>
@@ -2257,7 +2304,7 @@
             </a:endParaRPr>
           </a:p>
           <a:p>
-            <a:pPr marL="216000" indent="-214200" algn="r">
+            <a:pPr marL="216000" indent="-213480" algn="r">
               <a:lnSpc>
                 <a:spcPct val="100000"/>
               </a:lnSpc>
@@ -2268,6 +2315,86 @@
               </a:rPr>
               <a:t>כי אחרת מקבלים הבטחה ואנחנו לא אוהבים הבטחות</a:t>
             </a:r>
+            <a:endParaRPr b="0" lang="en-US" sz="1600" spc="-1" strike="noStrike">
+              <a:latin typeface="Arial"/>
+            </a:endParaRPr>
+          </a:p>
+          <a:p>
+            <a:pPr marL="216000" indent="-213480" algn="r">
+              <a:lnSpc>
+                <a:spcPct val="100000"/>
+              </a:lnSpc>
+            </a:pPr>
+            <a:endParaRPr b="0" lang="en-US" sz="1600" spc="-1" strike="noStrike">
+              <a:latin typeface="Arial"/>
+            </a:endParaRPr>
+          </a:p>
+          <a:p>
+            <a:pPr marL="216000" indent="-213480" algn="r">
+              <a:lnSpc>
+                <a:spcPct val="100000"/>
+              </a:lnSpc>
+            </a:pPr>
+            <a:r>
+              <a:rPr b="0" lang="en-US" sz="1600" spc="-1" strike="noStrike">
+                <a:latin typeface="Arial"/>
+              </a:rPr>
+              <a:t>כדאי לעבוד עם קובץ</a:t>
+            </a:r>
+            <a:r>
+              <a:rPr b="0" lang="en-US" sz="1600" spc="-1" strike="noStrike">
+                <a:latin typeface="Arial"/>
+              </a:rPr>
+              <a:t> </a:t>
+            </a:r>
+            <a:r>
+              <a:rPr b="0" lang="en-US" sz="1600" spc="-1" strike="noStrike">
+                <a:latin typeface="Arial"/>
+              </a:rPr>
+              <a:t>ENV</a:t>
+            </a:r>
+            <a:endParaRPr b="0" lang="en-US" sz="1600" spc="-1" strike="noStrike">
+              <a:latin typeface="Arial"/>
+            </a:endParaRPr>
+          </a:p>
+          <a:p>
+            <a:pPr marL="216000" indent="-213480" algn="r">
+              <a:lnSpc>
+                <a:spcPct val="100000"/>
+              </a:lnSpc>
+            </a:pPr>
+            <a:r>
+              <a:rPr b="0" lang="en-US" sz="1600" spc="-1" strike="noStrike">
+                <a:latin typeface="Arial"/>
+              </a:rPr>
+              <a:t>require('dotenv').config()</a:t>
+            </a:r>
+            <a:endParaRPr b="0" lang="en-US" sz="1600" spc="-1" strike="noStrike">
+              <a:latin typeface="Arial"/>
+            </a:endParaRPr>
+          </a:p>
+          <a:p>
+            <a:pPr marL="216000" indent="-213480" algn="r">
+              <a:lnSpc>
+                <a:spcPct val="100000"/>
+              </a:lnSpc>
+            </a:pPr>
+            <a:r>
+              <a:rPr b="0" lang="en-US" sz="1600" spc="-1" strike="noStrike">
+                <a:latin typeface="Arial"/>
+              </a:rPr>
+              <a:t>const uri = process.env.MONGOURI</a:t>
+            </a:r>
+            <a:endParaRPr b="0" lang="en-US" sz="1600" spc="-1" strike="noStrike">
+              <a:latin typeface="Arial"/>
+            </a:endParaRPr>
+          </a:p>
+          <a:p>
+            <a:pPr marL="216000" indent="-213480" algn="r">
+              <a:lnSpc>
+                <a:spcPct val="100000"/>
+              </a:lnSpc>
+            </a:pPr>
             <a:endParaRPr b="0" lang="en-US" sz="1600" spc="-1" strike="noStrike">
               <a:latin typeface="Arial"/>
             </a:endParaRPr>
@@ -14331,7 +14458,7 @@
         <p:spPr>
           <a:xfrm>
             <a:off x="502560" y="3673440"/>
-            <a:ext cx="6822360" cy="146160"/>
+            <a:ext cx="6821640" cy="145440"/>
           </a:xfrm>
           <a:prstGeom prst="rect">
             <a:avLst/>
@@ -14384,7 +14511,7 @@
         <p:spPr>
           <a:xfrm>
             <a:off x="502560" y="308880"/>
-            <a:ext cx="1957320" cy="276480"/>
+            <a:ext cx="1956600" cy="275760"/>
           </a:xfrm>
           <a:prstGeom prst="rect">
             <a:avLst/>
@@ -14403,9 +14530,9 @@
         <p:grpSpPr>
           <a:xfrm>
             <a:off x="3769200" y="316800"/>
-            <a:ext cx="3119040" cy="433800"/>
+            <a:ext cx="3118320" cy="433080"/>
             <a:chOff x="3769200" y="316800"/>
-            <a:chExt cx="3119040" cy="433800"/>
+            <a:chExt cx="3118320" cy="433080"/>
           </a:xfrm>
         </p:grpSpPr>
         <p:grpSp>
@@ -14417,9 +14544,9 @@
           <p:grpSpPr>
             <a:xfrm>
               <a:off x="3769200" y="316800"/>
-              <a:ext cx="3119040" cy="278640"/>
+              <a:ext cx="3118320" cy="277920"/>
               <a:chOff x="3769200" y="316800"/>
-              <a:chExt cx="3119040" cy="278640"/>
+              <a:chExt cx="3118320" cy="277920"/>
             </a:xfrm>
           </p:grpSpPr>
           <p:sp>
@@ -14431,7 +14558,7 @@
             <p:spPr>
               <a:xfrm>
                 <a:off x="3769200" y="316800"/>
-                <a:ext cx="3119040" cy="278640"/>
+                <a:ext cx="3118320" cy="277920"/>
               </a:xfrm>
               <a:prstGeom prst="rect">
                 <a:avLst/>
@@ -14537,7 +14664,7 @@
           <p:spPr>
             <a:xfrm>
               <a:off x="4680720" y="542520"/>
-              <a:ext cx="1644120" cy="208080"/>
+              <a:ext cx="1643400" cy="207360"/>
             </a:xfrm>
             <a:prstGeom prst="rect">
               <a:avLst/>
@@ -15747,7 +15874,7 @@
         <p:spPr>
           <a:xfrm>
             <a:off x="4645800" y="649440"/>
-            <a:ext cx="3576600" cy="2563200"/>
+            <a:ext cx="3575880" cy="2562480"/>
           </a:xfrm>
           <a:prstGeom prst="rect">
             <a:avLst/>
@@ -15773,7 +15900,7 @@
         <p:spPr>
           <a:xfrm>
             <a:off x="1034640" y="1439640"/>
-            <a:ext cx="2783160" cy="929520"/>
+            <a:ext cx="2782440" cy="928800"/>
           </a:xfrm>
           <a:prstGeom prst="rect">
             <a:avLst/>
@@ -16978,7 +17105,7 @@
         <p:spPr>
           <a:xfrm>
             <a:off x="679320" y="1439640"/>
-            <a:ext cx="4773960" cy="929520"/>
+            <a:ext cx="4773240" cy="928800"/>
           </a:xfrm>
           <a:prstGeom prst="rect">
             <a:avLst/>
@@ -17031,7 +17158,7 @@
         <p:spPr>
           <a:xfrm>
             <a:off x="6125040" y="1148400"/>
-            <a:ext cx="1324800" cy="1639800"/>
+            <a:ext cx="1324080" cy="1639080"/>
           </a:xfrm>
           <a:prstGeom prst="rect">
             <a:avLst/>
@@ -17312,7 +17439,7 @@
         <p:spPr>
           <a:xfrm>
             <a:off x="1005840" y="1463040"/>
-            <a:ext cx="638280" cy="638280"/>
+            <a:ext cx="637560" cy="637560"/>
           </a:xfrm>
           <a:prstGeom prst="rect">
             <a:avLst/>
@@ -17331,7 +17458,7 @@
         <p:spPr>
           <a:xfrm>
             <a:off x="1106640" y="1065240"/>
-            <a:ext cx="5750640" cy="496440"/>
+            <a:ext cx="5749920" cy="495720"/>
           </a:xfrm>
           <a:prstGeom prst="rect">
             <a:avLst/>
@@ -17403,7 +17530,7 @@
         <p:spPr>
           <a:xfrm>
             <a:off x="1097280" y="2286000"/>
-            <a:ext cx="5301720" cy="455400"/>
+            <a:ext cx="5301000" cy="454680"/>
           </a:xfrm>
           <a:prstGeom prst="rect">
             <a:avLst/>
@@ -17458,7 +17585,7 @@
         <p:spPr>
           <a:xfrm>
             <a:off x="1554480" y="1554480"/>
-            <a:ext cx="3564360" cy="429840"/>
+            <a:ext cx="3563640" cy="429120"/>
           </a:xfrm>
           <a:prstGeom prst="rect">
             <a:avLst/>
@@ -17527,13 +17654,13 @@
         </p:nvPicPr>
         <p:blipFill>
           <a:blip r:embed="rId2"/>
-          <a:srcRect l="0" t="0" r="64682" b="0"/>
+          <a:srcRect l="0" t="0" r="64672" b="0"/>
           <a:stretch/>
         </p:blipFill>
         <p:spPr>
           <a:xfrm>
             <a:off x="0" y="1992600"/>
-            <a:ext cx="1159920" cy="1114920"/>
+            <a:ext cx="1159200" cy="1114200"/>
           </a:xfrm>
           <a:prstGeom prst="rect">
             <a:avLst/>
@@ -17601,7 +17728,7 @@
         <p:spPr>
           <a:xfrm>
             <a:off x="529560" y="316800"/>
-            <a:ext cx="6919920" cy="413280"/>
+            <a:ext cx="6919200" cy="412560"/>
           </a:xfrm>
           <a:prstGeom prst="rect">
             <a:avLst/>
@@ -17650,7 +17777,7 @@
         <p:spPr>
           <a:xfrm>
             <a:off x="529560" y="861480"/>
-            <a:ext cx="6919920" cy="2681640"/>
+            <a:ext cx="6919200" cy="2680920"/>
           </a:xfrm>
           <a:prstGeom prst="rect">
             <a:avLst/>
@@ -17669,7 +17796,7 @@
         <p:txBody>
           <a:bodyPr lIns="0" rIns="90000" tIns="45000" bIns="45000"/>
           <a:p>
-            <a:pPr marL="343080" indent="-340200">
+            <a:pPr marL="343080" indent="-339480">
               <a:lnSpc>
                 <a:spcPct val="100000"/>
               </a:lnSpc>
@@ -17695,7 +17822,7 @@
             </a:endParaRPr>
           </a:p>
           <a:p>
-            <a:pPr marL="343080" indent="-340200">
+            <a:pPr marL="343080" indent="-339480">
               <a:lnSpc>
                 <a:spcPct val="100000"/>
               </a:lnSpc>
@@ -17721,7 +17848,7 @@
             </a:endParaRPr>
           </a:p>
           <a:p>
-            <a:pPr marL="343080" indent="-340200">
+            <a:pPr marL="343080" indent="-339480">
               <a:lnSpc>
                 <a:spcPct val="100000"/>
               </a:lnSpc>
@@ -17824,7 +17951,7 @@
         <p:spPr>
           <a:xfrm>
             <a:off x="6914520" y="68400"/>
-            <a:ext cx="1004040" cy="1027440"/>
+            <a:ext cx="1003320" cy="1026720"/>
           </a:xfrm>
           <a:prstGeom prst="rect">
             <a:avLst/>
@@ -17843,9 +17970,9 @@
         <p:grpSpPr>
           <a:xfrm>
             <a:off x="2880" y="-92520"/>
-            <a:ext cx="6762240" cy="1537200"/>
+            <a:ext cx="6761520" cy="1536480"/>
             <a:chOff x="2880" y="-92520"/>
-            <a:chExt cx="6762240" cy="1537200"/>
+            <a:chExt cx="6761520" cy="1536480"/>
           </a:xfrm>
         </p:grpSpPr>
         <p:sp>
@@ -17857,7 +17984,7 @@
           <p:spPr>
             <a:xfrm>
               <a:off x="1531440" y="786240"/>
-              <a:ext cx="5233680" cy="658440"/>
+              <a:ext cx="5232960" cy="657720"/>
             </a:xfrm>
             <a:prstGeom prst="rect">
               <a:avLst/>
@@ -17885,7 +18012,7 @@
               <a:normAutofit/>
             </a:bodyPr>
             <a:p>
-              <a:pPr marL="343080" indent="-340200">
+              <a:pPr marL="343080" indent="-339480">
                 <a:lnSpc>
                   <a:spcPct val="100000"/>
                 </a:lnSpc>
@@ -17930,7 +18057,7 @@
               </a:endParaRPr>
             </a:p>
             <a:p>
-              <a:pPr marL="343080" indent="-340200">
+              <a:pPr marL="343080" indent="-339480">
                 <a:lnSpc>
                   <a:spcPct val="100000"/>
                 </a:lnSpc>
@@ -17996,7 +18123,7 @@
               </a:endParaRPr>
             </a:p>
             <a:p>
-              <a:pPr marL="343080" indent="-340200">
+              <a:pPr marL="343080" indent="-339480">
                 <a:lnSpc>
                   <a:spcPct val="100000"/>
                 </a:lnSpc>
@@ -18035,7 +18162,7 @@
           <p:spPr>
             <a:xfrm>
               <a:off x="2880" y="-92520"/>
-              <a:ext cx="4097520" cy="1389240"/>
+              <a:ext cx="4096800" cy="1388520"/>
             </a:xfrm>
             <a:prstGeom prst="rect">
               <a:avLst/>
@@ -18055,9 +18182,9 @@
         <p:grpSpPr>
           <a:xfrm>
             <a:off x="1828800" y="1538280"/>
-            <a:ext cx="5633640" cy="953640"/>
+            <a:ext cx="5632920" cy="952920"/>
             <a:chOff x="1828800" y="1538280"/>
-            <a:chExt cx="5633640" cy="953640"/>
+            <a:chExt cx="5632920" cy="952920"/>
           </a:xfrm>
         </p:grpSpPr>
         <p:pic>
@@ -18074,7 +18201,7 @@
           <p:spPr>
             <a:xfrm>
               <a:off x="2463120" y="1538280"/>
-              <a:ext cx="4999320" cy="953640"/>
+              <a:ext cx="4998600" cy="952920"/>
             </a:xfrm>
             <a:prstGeom prst="rect">
               <a:avLst/>
@@ -18097,7 +18224,7 @@
           <p:spPr>
             <a:xfrm>
               <a:off x="1828800" y="1749240"/>
-              <a:ext cx="627840" cy="627840"/>
+              <a:ext cx="627120" cy="627120"/>
             </a:xfrm>
             <a:prstGeom prst="rect">
               <a:avLst/>
@@ -18117,9 +18244,9 @@
         <p:grpSpPr>
           <a:xfrm>
             <a:off x="297000" y="2638080"/>
-            <a:ext cx="5006160" cy="1202040"/>
+            <a:ext cx="5005440" cy="1201320"/>
             <a:chOff x="297000" y="2638080"/>
-            <a:chExt cx="5006160" cy="1202040"/>
+            <a:chExt cx="5005440" cy="1201320"/>
           </a:xfrm>
         </p:grpSpPr>
         <p:pic>
@@ -18135,7 +18262,7 @@
           <p:spPr>
             <a:xfrm>
               <a:off x="297000" y="2638080"/>
-              <a:ext cx="2485080" cy="496080"/>
+              <a:ext cx="2484360" cy="495360"/>
             </a:xfrm>
             <a:prstGeom prst="rect">
               <a:avLst/>
@@ -18154,7 +18281,7 @@
           <p:spPr>
             <a:xfrm>
               <a:off x="1220760" y="3181680"/>
-              <a:ext cx="4082400" cy="658440"/>
+              <a:ext cx="4081680" cy="657720"/>
             </a:xfrm>
             <a:prstGeom prst="rect">
               <a:avLst/>
@@ -18179,7 +18306,7 @@
               <a:normAutofit/>
             </a:bodyPr>
             <a:p>
-              <a:pPr marL="343080" indent="-340200">
+              <a:pPr marL="343080" indent="-339480">
                 <a:lnSpc>
                   <a:spcPct val="100000"/>
                 </a:lnSpc>
@@ -18224,7 +18351,7 @@
               </a:endParaRPr>
             </a:p>
             <a:p>
-              <a:pPr marL="343080" indent="-340200">
+              <a:pPr marL="343080" indent="-339480">
                 <a:lnSpc>
                   <a:spcPct val="100000"/>
                 </a:lnSpc>
@@ -18257,7 +18384,7 @@
               </a:endParaRPr>
             </a:p>
             <a:p>
-              <a:pPr marL="343080" indent="-340200">
+              <a:pPr marL="343080" indent="-339480">
                 <a:lnSpc>
                   <a:spcPct val="100000"/>
                 </a:lnSpc>
@@ -18450,7 +18577,7 @@
         <p:spPr>
           <a:xfrm>
             <a:off x="6949440" y="171360"/>
-            <a:ext cx="803520" cy="822240"/>
+            <a:ext cx="802800" cy="821520"/>
           </a:xfrm>
           <a:prstGeom prst="rect">
             <a:avLst/>
@@ -18469,7 +18596,7 @@
         <p:spPr>
           <a:xfrm>
             <a:off x="529560" y="679680"/>
-            <a:ext cx="3427560" cy="1239840"/>
+            <a:ext cx="3426840" cy="1239120"/>
           </a:xfrm>
           <a:prstGeom prst="rect">
             <a:avLst/>
@@ -18495,7 +18622,7 @@
         <p:txBody>
           <a:bodyPr lIns="90000" rIns="90000" tIns="90000" bIns="45000"/>
           <a:p>
-            <a:pPr marL="343080" indent="-340200">
+            <a:pPr marL="343080" indent="-339480">
               <a:lnSpc>
                 <a:spcPct val="100000"/>
               </a:lnSpc>
@@ -18521,7 +18648,7 @@
             </a:endParaRPr>
           </a:p>
           <a:p>
-            <a:pPr marL="343080" indent="-340200">
+            <a:pPr marL="343080" indent="-339480">
               <a:lnSpc>
                 <a:spcPct val="100000"/>
               </a:lnSpc>
@@ -18547,7 +18674,7 @@
             </a:endParaRPr>
           </a:p>
           <a:p>
-            <a:pPr marL="343080" indent="-340200">
+            <a:pPr marL="343080" indent="-339480">
               <a:lnSpc>
                 <a:spcPct val="100000"/>
               </a:lnSpc>
@@ -18573,7 +18700,7 @@
             </a:endParaRPr>
           </a:p>
           <a:p>
-            <a:pPr marL="343080" indent="-340200">
+            <a:pPr marL="343080" indent="-339480">
               <a:lnSpc>
                 <a:spcPct val="100000"/>
               </a:lnSpc>
@@ -18622,7 +18749,7 @@
         <p:spPr>
           <a:xfrm>
             <a:off x="27360" y="2103120"/>
-            <a:ext cx="4066920" cy="1312560"/>
+            <a:ext cx="4066200" cy="1311840"/>
           </a:xfrm>
           <a:prstGeom prst="rect">
             <a:avLst/>
@@ -18648,7 +18775,7 @@
         <p:txBody>
           <a:bodyPr lIns="90000" rIns="90000" tIns="90000" bIns="45000"/>
           <a:p>
-            <a:pPr marL="343080" indent="-340200">
+            <a:pPr marL="343080" indent="-339480">
               <a:lnSpc>
                 <a:spcPct val="100000"/>
               </a:lnSpc>
@@ -18681,7 +18808,7 @@
         <p:spPr>
           <a:xfrm>
             <a:off x="529560" y="316800"/>
-            <a:ext cx="6858000" cy="413280"/>
+            <a:ext cx="6857280" cy="412560"/>
           </a:xfrm>
           <a:prstGeom prst="rect">
             <a:avLst/>
@@ -18735,7 +18862,7 @@
         <p:spPr>
           <a:xfrm>
             <a:off x="91440" y="2834640"/>
-            <a:ext cx="4999680" cy="954000"/>
+            <a:ext cx="4998960" cy="953280"/>
           </a:xfrm>
           <a:prstGeom prst="rect">
             <a:avLst/>
@@ -18758,7 +18885,7 @@
         <p:spPr>
           <a:xfrm>
             <a:off x="5669280" y="32040"/>
-            <a:ext cx="1155960" cy="1155960"/>
+            <a:ext cx="1155240" cy="1155240"/>
           </a:xfrm>
           <a:prstGeom prst="rect">
             <a:avLst/>
@@ -18782,7 +18909,7 @@
         <p:spPr>
           <a:xfrm>
             <a:off x="3819240" y="994320"/>
-            <a:ext cx="3973320" cy="2634120"/>
+            <a:ext cx="3972600" cy="2633400"/>
           </a:xfrm>
           <a:prstGeom prst="rect">
             <a:avLst/>
@@ -18805,7 +18932,7 @@
         <p:spPr>
           <a:xfrm>
             <a:off x="4754880" y="274320"/>
-            <a:ext cx="627840" cy="627840"/>
+            <a:ext cx="627120" cy="627120"/>
           </a:xfrm>
           <a:prstGeom prst="rect">
             <a:avLst/>
@@ -18828,7 +18955,7 @@
         <p:spPr>
           <a:xfrm>
             <a:off x="4755240" y="274680"/>
-            <a:ext cx="627840" cy="627840"/>
+            <a:ext cx="627120" cy="627120"/>
           </a:xfrm>
           <a:prstGeom prst="rect">
             <a:avLst/>
@@ -18896,7 +19023,7 @@
         <p:spPr>
           <a:xfrm>
             <a:off x="529560" y="316800"/>
-            <a:ext cx="6858000" cy="413280"/>
+            <a:ext cx="6857280" cy="412560"/>
           </a:xfrm>
           <a:prstGeom prst="rect">
             <a:avLst/>
@@ -18994,7 +19121,7 @@
         <p:spPr>
           <a:xfrm>
             <a:off x="529560" y="316800"/>
-            <a:ext cx="6858000" cy="413280"/>
+            <a:ext cx="6857280" cy="412560"/>
           </a:xfrm>
           <a:prstGeom prst="rect">
             <a:avLst/>
@@ -19057,7 +19184,7 @@
         <p:spPr>
           <a:xfrm>
             <a:off x="304920" y="813960"/>
-            <a:ext cx="3685320" cy="2850120"/>
+            <a:ext cx="3684600" cy="2849400"/>
           </a:xfrm>
           <a:prstGeom prst="rect">
             <a:avLst/>
@@ -19080,7 +19207,7 @@
         <p:spPr>
           <a:xfrm>
             <a:off x="5047560" y="526320"/>
-            <a:ext cx="1957680" cy="2005560"/>
+            <a:ext cx="1956960" cy="2004840"/>
           </a:xfrm>
           <a:prstGeom prst="rect">
             <a:avLst/>
@@ -19099,7 +19226,7 @@
         <p:spPr>
           <a:xfrm>
             <a:off x="4572000" y="2926080"/>
-            <a:ext cx="3015360" cy="242280"/>
+            <a:ext cx="3014640" cy="241560"/>
           </a:xfrm>
           <a:prstGeom prst="rect">
             <a:avLst/>
@@ -19151,9 +19278,9 @@
         <p:grpSpPr>
           <a:xfrm>
             <a:off x="0" y="1280160"/>
-            <a:ext cx="2371680" cy="2102760"/>
+            <a:ext cx="2370960" cy="2102040"/>
             <a:chOff x="0" y="1280160"/>
-            <a:chExt cx="2371680" cy="2102760"/>
+            <a:chExt cx="2370960" cy="2102040"/>
           </a:xfrm>
         </p:grpSpPr>
         <p:sp>
@@ -19165,7 +19292,7 @@
           <p:spPr>
             <a:xfrm>
               <a:off x="0" y="1280160"/>
-              <a:ext cx="365400" cy="2102760"/>
+              <a:ext cx="364680" cy="2102040"/>
             </a:xfrm>
             <a:custGeom>
               <a:avLst/>
@@ -19235,7 +19362,7 @@
           <p:spPr>
             <a:xfrm>
               <a:off x="2184480" y="1463040"/>
-              <a:ext cx="187200" cy="1371240"/>
+              <a:ext cx="186480" cy="1370520"/>
             </a:xfrm>
             <a:custGeom>
               <a:avLst/>
@@ -19305,7 +19432,7 @@
           <p:spPr>
             <a:xfrm>
               <a:off x="2237040" y="2926080"/>
-              <a:ext cx="89640" cy="365400"/>
+              <a:ext cx="88920" cy="364680"/>
             </a:xfrm>
             <a:custGeom>
               <a:avLst/>
@@ -19391,9 +19518,9 @@
         <p:grpSpPr>
           <a:xfrm>
             <a:off x="5394960" y="914400"/>
-            <a:ext cx="268920" cy="822600"/>
+            <a:ext cx="268200" cy="821880"/>
             <a:chOff x="5394960" y="914400"/>
-            <a:chExt cx="268920" cy="822600"/>
+            <a:chExt cx="268200" cy="821880"/>
           </a:xfrm>
         </p:grpSpPr>
         <p:sp>
@@ -19405,7 +19532,7 @@
           <p:spPr>
             <a:xfrm>
               <a:off x="5394960" y="914400"/>
-              <a:ext cx="91080" cy="822600"/>
+              <a:ext cx="90360" cy="821880"/>
             </a:xfrm>
             <a:custGeom>
               <a:avLst/>
@@ -19475,9 +19602,9 @@
           <p:grpSpPr>
             <a:xfrm>
               <a:off x="5573520" y="1078560"/>
-              <a:ext cx="90360" cy="658440"/>
+              <a:ext cx="89640" cy="657720"/>
               <a:chOff x="5573520" y="1078560"/>
-              <a:chExt cx="90360" cy="658440"/>
+              <a:chExt cx="89640" cy="657720"/>
             </a:xfrm>
           </p:grpSpPr>
           <p:sp>
@@ -19489,7 +19616,7 @@
             <p:spPr>
               <a:xfrm>
                 <a:off x="5573880" y="1078560"/>
-                <a:ext cx="89640" cy="365400"/>
+                <a:ext cx="88920" cy="364680"/>
               </a:xfrm>
               <a:custGeom>
                 <a:avLst/>
@@ -19559,7 +19686,7 @@
             <p:spPr>
               <a:xfrm>
                 <a:off x="5573520" y="1463040"/>
-                <a:ext cx="90360" cy="273960"/>
+                <a:ext cx="89640" cy="273240"/>
               </a:xfrm>
               <a:custGeom>
                 <a:avLst/>
@@ -19631,9 +19758,9 @@
         <p:grpSpPr>
           <a:xfrm>
             <a:off x="457200" y="1536120"/>
-            <a:ext cx="1737000" cy="1225080"/>
+            <a:ext cx="1736280" cy="1224360"/>
             <a:chOff x="457200" y="1536120"/>
-            <a:chExt cx="1737000" cy="1225080"/>
+            <a:chExt cx="1736280" cy="1224360"/>
           </a:xfrm>
         </p:grpSpPr>
         <p:sp>
@@ -19645,7 +19772,7 @@
           <p:spPr>
             <a:xfrm>
               <a:off x="457200" y="1536120"/>
-              <a:ext cx="1726920" cy="548280"/>
+              <a:ext cx="1726200" cy="547560"/>
             </a:xfrm>
             <a:prstGeom prst="rect">
               <a:avLst/>
@@ -19678,7 +19805,7 @@
           <p:spPr>
             <a:xfrm>
               <a:off x="457200" y="2121480"/>
-              <a:ext cx="1737000" cy="639720"/>
+              <a:ext cx="1736280" cy="639000"/>
             </a:xfrm>
             <a:prstGeom prst="rect">
               <a:avLst/>
@@ -19712,9 +19839,9 @@
         <p:grpSpPr>
           <a:xfrm>
             <a:off x="5650920" y="1170360"/>
-            <a:ext cx="903960" cy="246960"/>
+            <a:ext cx="903240" cy="246240"/>
             <a:chOff x="5650920" y="1170360"/>
-            <a:chExt cx="903960" cy="246960"/>
+            <a:chExt cx="903240" cy="246240"/>
           </a:xfrm>
         </p:grpSpPr>
         <p:sp>
@@ -19726,7 +19853,7 @@
           <p:spPr>
             <a:xfrm>
               <a:off x="5650920" y="1170360"/>
-              <a:ext cx="903960" cy="109440"/>
+              <a:ext cx="903240" cy="108720"/>
             </a:xfrm>
             <a:prstGeom prst="rect">
               <a:avLst/>
@@ -19759,7 +19886,7 @@
           <p:spPr>
             <a:xfrm>
               <a:off x="5650920" y="1289520"/>
-              <a:ext cx="749520" cy="127800"/>
+              <a:ext cx="748800" cy="127080"/>
             </a:xfrm>
             <a:prstGeom prst="rect">
               <a:avLst/>
@@ -20165,7 +20292,7 @@
         <p:spPr>
           <a:xfrm>
             <a:off x="4752000" y="211320"/>
-            <a:ext cx="2963160" cy="2214000"/>
+            <a:ext cx="2962440" cy="2213280"/>
           </a:xfrm>
           <a:prstGeom prst="rect">
             <a:avLst/>
@@ -20184,7 +20311,7 @@
         <p:spPr>
           <a:xfrm>
             <a:off x="109800" y="914400"/>
-            <a:ext cx="5064120" cy="347040"/>
+            <a:ext cx="5063400" cy="346320"/>
           </a:xfrm>
           <a:prstGeom prst="rect">
             <a:avLst/>
@@ -20210,7 +20337,7 @@
         <p:txBody>
           <a:bodyPr lIns="90000" rIns="90000" tIns="90000" bIns="45000"/>
           <a:p>
-            <a:pPr marL="343080" indent="-340200">
+            <a:pPr marL="343080" indent="-339480">
               <a:lnSpc>
                 <a:spcPct val="100000"/>
               </a:lnSpc>
@@ -20247,7 +20374,7 @@
         <p:spPr>
           <a:xfrm>
             <a:off x="594360" y="1684800"/>
-            <a:ext cx="4068720" cy="1306080"/>
+            <a:ext cx="4068000" cy="1305360"/>
           </a:xfrm>
           <a:prstGeom prst="rect">
             <a:avLst/>
@@ -20266,7 +20393,7 @@
         <p:spPr>
           <a:xfrm>
             <a:off x="3761640" y="1919520"/>
-            <a:ext cx="429480" cy="131760"/>
+            <a:ext cx="428760" cy="131040"/>
           </a:xfrm>
           <a:prstGeom prst="rect">
             <a:avLst/>
@@ -20292,7 +20419,7 @@
         <p:spPr>
           <a:xfrm>
             <a:off x="91440" y="49680"/>
-            <a:ext cx="6583320" cy="681480"/>
+            <a:ext cx="6582600" cy="680760"/>
           </a:xfrm>
           <a:prstGeom prst="rect">
             <a:avLst/>
@@ -20351,9 +20478,9 @@
         <p:grpSpPr>
           <a:xfrm>
             <a:off x="1664280" y="2195280"/>
-            <a:ext cx="2450160" cy="273960"/>
+            <a:ext cx="2449440" cy="273240"/>
             <a:chOff x="1664280" y="2195280"/>
-            <a:chExt cx="2450160" cy="273960"/>
+            <a:chExt cx="2449440" cy="273240"/>
           </a:xfrm>
         </p:grpSpPr>
         <p:sp>
@@ -20365,7 +20492,7 @@
           <p:spPr>
             <a:xfrm>
               <a:off x="3566160" y="2195280"/>
-              <a:ext cx="548280" cy="182520"/>
+              <a:ext cx="547560" cy="181800"/>
             </a:xfrm>
             <a:prstGeom prst="ellipse">
               <a:avLst/>
@@ -20394,7 +20521,7 @@
           <p:spPr>
             <a:xfrm>
               <a:off x="1664280" y="2286720"/>
-              <a:ext cx="365400" cy="182520"/>
+              <a:ext cx="364680" cy="181800"/>
             </a:xfrm>
             <a:prstGeom prst="ellipse">
               <a:avLst/>
@@ -20648,7 +20775,7 @@
         <p:spPr>
           <a:xfrm>
             <a:off x="529560" y="316800"/>
-            <a:ext cx="6858000" cy="413280"/>
+            <a:ext cx="6857280" cy="412560"/>
           </a:xfrm>
           <a:prstGeom prst="rect">
             <a:avLst/>
@@ -20697,7 +20824,7 @@
         <p:spPr>
           <a:xfrm>
             <a:off x="529560" y="862560"/>
-            <a:ext cx="6930360" cy="615600"/>
+            <a:ext cx="6929640" cy="614880"/>
           </a:xfrm>
           <a:prstGeom prst="rect">
             <a:avLst/>
@@ -20751,7 +20878,7 @@
         <p:spPr>
           <a:xfrm>
             <a:off x="12960" y="3051000"/>
-            <a:ext cx="7926840" cy="585000"/>
+            <a:ext cx="7926120" cy="584280"/>
           </a:xfrm>
           <a:prstGeom prst="rect">
             <a:avLst/>
@@ -20767,29 +20894,6 @@
           <a:effectRef idx="0"/>
           <a:fontRef idx="minor"/>
         </p:style>
-        <p:txBody>
-          <a:bodyPr lIns="90000" rIns="90000" tIns="45000" bIns="45000"/>
-          <a:p>
-            <a:pPr>
-              <a:lnSpc>
-                <a:spcPct val="100000"/>
-              </a:lnSpc>
-            </a:pPr>
-            <a:r>
-              <a:rPr b="0" lang="en-US" sz="1000" spc="-1" strike="noStrike">
-                <a:solidFill>
-                  <a:srgbClr val="000000"/>
-                </a:solidFill>
-                <a:latin typeface="Arial"/>
-                <a:ea typeface="DejaVu Sans"/>
-              </a:rPr>
-              <a:t>ע</a:t>
-            </a:r>
-            <a:endParaRPr b="0" lang="en-US" sz="1000" spc="-1" strike="noStrike">
-              <a:latin typeface="Arial"/>
-            </a:endParaRPr>
-          </a:p>
-        </p:txBody>
       </p:sp>
       <p:pic>
         <p:nvPicPr>
@@ -20804,7 +20908,7 @@
         <p:spPr>
           <a:xfrm>
             <a:off x="395280" y="1280520"/>
-            <a:ext cx="3475800" cy="1585080"/>
+            <a:ext cx="3475080" cy="1584360"/>
           </a:xfrm>
           <a:prstGeom prst="rect">
             <a:avLst/>
@@ -20823,7 +20927,7 @@
         <p:spPr>
           <a:xfrm>
             <a:off x="395640" y="157680"/>
-            <a:ext cx="7125480" cy="658800"/>
+            <a:ext cx="7124760" cy="658080"/>
           </a:xfrm>
           <a:prstGeom prst="rect">
             <a:avLst/>
@@ -20849,7 +20953,7 @@
         <p:spPr>
           <a:xfrm>
             <a:off x="4047840" y="926280"/>
-            <a:ext cx="3475800" cy="1092960"/>
+            <a:ext cx="3475080" cy="1092240"/>
           </a:xfrm>
           <a:prstGeom prst="rect">
             <a:avLst/>
@@ -20870,7 +20974,7 @@
             <a:normAutofit/>
           </a:bodyPr>
           <a:p>
-            <a:pPr marL="432000" indent="-321840">
+            <a:pPr marL="432000" indent="-321120">
               <a:lnSpc>
                 <a:spcPct val="100000"/>
               </a:lnSpc>
@@ -20899,7 +21003,7 @@
             </a:endParaRPr>
           </a:p>
           <a:p>
-            <a:pPr marL="432000" indent="-321840">
+            <a:pPr marL="432000" indent="-321120">
               <a:lnSpc>
                 <a:spcPct val="100000"/>
               </a:lnSpc>
@@ -20928,7 +21032,7 @@
             </a:endParaRPr>
           </a:p>
           <a:p>
-            <a:pPr marL="432000" indent="-321840">
+            <a:pPr marL="432000" indent="-321120">
               <a:lnSpc>
                 <a:spcPct val="100000"/>
               </a:lnSpc>
@@ -20967,7 +21071,7 @@
         <p:spPr>
           <a:xfrm>
             <a:off x="4047840" y="2125800"/>
-            <a:ext cx="3475800" cy="1092960"/>
+            <a:ext cx="3475080" cy="1092240"/>
           </a:xfrm>
           <a:prstGeom prst="rect">
             <a:avLst/>
